--- a/doc/pres_opera.pptx
+++ b/doc/pres_opera.pptx
@@ -204,7 +204,7 @@
           <a:p>
             <a:fld id="{3F35F060-0782-48D1-83CB-D93F76132A2D}" type="datetimeFigureOut">
               <a:rPr lang="fr-FR" smtClean="0"/>
-              <a:t>10/05/2017</a:t>
+              <a:t>15/05/2017</a:t>
             </a:fld>
             <a:endParaRPr lang="fr-FR"/>
           </a:p>
@@ -1645,11 +1645,7 @@
             </a:pPr>
             <a:r>
               <a:rPr lang="fr-FR" sz="3600" b="1" dirty="0" smtClean="0"/>
-              <a:t>Outi</a:t>
-            </a:r>
-            <a:r>
-              <a:rPr lang="fr-FR" sz="3600" b="1" dirty="0" smtClean="0"/>
-              <a:t>l de prévention effective du risque avalanche</a:t>
+              <a:t>Outil de prévention effective du risque avalanche</a:t>
             </a:r>
             <a:endParaRPr sz="3600" b="1" dirty="0"/>
           </a:p>
@@ -1856,11 +1852,6 @@
               </a:rPr>
               <a:t>Permet un calcul le long d’une trace plus pertinent</a:t>
             </a:r>
-            <a:endParaRPr lang="fr-FR" kern="0" dirty="0" smtClean="0">
-              <a:solidFill>
-                <a:sysClr val="windowText" lastClr="000000"/>
-              </a:solidFill>
-            </a:endParaRPr>
           </a:p>
         </p:txBody>
       </p:sp>
@@ -2167,7 +2158,12 @@
             <p:ph type="subTitle"/>
           </p:nvPr>
         </p:nvSpPr>
-        <p:spPr/>
+        <p:spPr>
+          <a:xfrm>
+            <a:off x="467544" y="2787774"/>
+            <a:ext cx="8229240" cy="857160"/>
+          </a:xfrm>
+        </p:spPr>
         <p:txBody>
           <a:bodyPr/>
           <a:lstStyle/>
@@ -2186,8 +2182,13 @@
             </a:r>
             <a:r>
               <a:rPr lang="fr-FR" sz="2000" dirty="0" smtClean="0"/>
-              <a:t>Plugin QGIS</a:t>
-            </a:r>
+              <a:t>Plugin </a:t>
+            </a:r>
+            <a:r>
+              <a:rPr lang="fr-FR" sz="2000" dirty="0" smtClean="0"/>
+              <a:t>QGIS Python</a:t>
+            </a:r>
+            <a:endParaRPr lang="fr-FR" sz="2000" dirty="0" smtClean="0"/>
           </a:p>
           <a:p>
             <a:pPr marL="285750" indent="-285750">
@@ -2301,8 +2302,49 @@
         </p:blipFill>
         <p:spPr bwMode="auto">
           <a:xfrm>
-            <a:off x="3275856" y="1347614"/>
+            <a:off x="3563888" y="1347613"/>
             <a:ext cx="1080120" cy="1190575"/>
+          </a:xfrm>
+          <a:prstGeom prst="rect">
+            <a:avLst/>
+          </a:prstGeom>
+          <a:noFill/>
+          <a:extLst>
+            <a:ext uri="{909E8E84-426E-40DD-AFC4-6F175D3DCCD1}">
+              <a14:hiddenFill xmlns:a14="http://schemas.microsoft.com/office/drawing/2010/main">
+                <a:solidFill>
+                  <a:srgbClr val="FFFFFF"/>
+                </a:solidFill>
+              </a14:hiddenFill>
+            </a:ext>
+          </a:extLst>
+        </p:spPr>
+      </p:pic>
+      <p:pic>
+        <p:nvPicPr>
+          <p:cNvPr id="1026" name="Picture 2" descr="C:\Users\Amaury\Desktop\presentation\python-7be70baaac.png"/>
+          <p:cNvPicPr>
+            <a:picLocks noChangeAspect="1" noChangeArrowheads="1"/>
+          </p:cNvPicPr>
+          <p:nvPr/>
+        </p:nvPicPr>
+        <p:blipFill>
+          <a:blip r:embed="rId3">
+            <a:extLst>
+              <a:ext uri="{28A0092B-C50C-407E-A947-70E740481C1C}">
+                <a14:useLocalDpi xmlns:a14="http://schemas.microsoft.com/office/drawing/2010/main" val="0"/>
+              </a:ext>
+            </a:extLst>
+          </a:blip>
+          <a:srcRect/>
+          <a:stretch>
+            <a:fillRect/>
+          </a:stretch>
+        </p:blipFill>
+        <p:spPr bwMode="auto">
+          <a:xfrm>
+            <a:off x="4644008" y="912267"/>
+            <a:ext cx="2163539" cy="2163539"/>
           </a:xfrm>
           <a:prstGeom prst="rect">
             <a:avLst/>
@@ -2691,7 +2733,12 @@
             <p:ph type="subTitle"/>
           </p:nvPr>
         </p:nvSpPr>
-        <p:spPr/>
+        <p:spPr>
+          <a:xfrm>
+            <a:off x="323528" y="2499742"/>
+            <a:ext cx="8229240" cy="857160"/>
+          </a:xfrm>
+        </p:spPr>
         <p:txBody>
           <a:bodyPr/>
           <a:lstStyle/>
@@ -2756,7 +2803,15 @@
             </a:pPr>
             <a:r>
               <a:rPr lang="fr-FR" dirty="0" smtClean="0"/>
-              <a:t>MRE : Méthode de réduction Expert</a:t>
+              <a:t>MRE : Méthode de </a:t>
+            </a:r>
+            <a:r>
+              <a:rPr lang="fr-FR" dirty="0" smtClean="0"/>
+              <a:t>Réduction </a:t>
+            </a:r>
+            <a:r>
+              <a:rPr lang="fr-FR" dirty="0" smtClean="0"/>
+              <a:t>Expert</a:t>
             </a:r>
             <a:endParaRPr lang="fr-FR" dirty="0"/>
           </a:p>

--- a/doc/pres_opera.pptx
+++ b/doc/pres_opera.pptx
@@ -204,7 +204,7 @@
           <a:p>
             <a:fld id="{3F35F060-0782-48D1-83CB-D93F76132A2D}" type="datetimeFigureOut">
               <a:rPr lang="fr-FR" smtClean="0"/>
-              <a:t>15/05/2017</a:t>
+              <a:t>17/05/2017</a:t>
             </a:fld>
             <a:endParaRPr lang="fr-FR"/>
           </a:p>
@@ -751,6 +751,14 @@
   <p:clrMapOvr>
     <a:masterClrMapping/>
   </p:clrMapOvr>
+  <mc:AlternateContent xmlns:mc="http://schemas.openxmlformats.org/markup-compatibility/2006" xmlns:p14="http://schemas.microsoft.com/office/powerpoint/2010/main">
+    <mc:Choice Requires="p14">
+      <p:transition spd="slow" p14:dur="2000" advTm="10000"/>
+    </mc:Choice>
+    <mc:Fallback xmlns="">
+      <p:transition spd="slow" advTm="10000"/>
+    </mc:Fallback>
+  </mc:AlternateContent>
   <p:timing>
     <p:tnLst>
       <p:par>
@@ -887,6 +895,14 @@
   <p:clrMapOvr>
     <a:masterClrMapping/>
   </p:clrMapOvr>
+  <mc:AlternateContent xmlns:mc="http://schemas.openxmlformats.org/markup-compatibility/2006" xmlns:p14="http://schemas.microsoft.com/office/powerpoint/2010/main">
+    <mc:Choice Requires="p14">
+      <p:transition spd="slow" p14:dur="2000" advTm="10000"/>
+    </mc:Choice>
+    <mc:Fallback xmlns="">
+      <p:transition spd="slow" advTm="10000"/>
+    </mc:Fallback>
+  </mc:AlternateContent>
   <p:timing>
     <p:tnLst>
       <p:par>
@@ -1586,6 +1602,14 @@
     <p:sldLayoutId id="2147483649" r:id="rId1"/>
     <p:sldLayoutId id="2147483650" r:id="rId2"/>
   </p:sldLayoutIdLst>
+  <mc:AlternateContent xmlns:mc="http://schemas.openxmlformats.org/markup-compatibility/2006" xmlns:p14="http://schemas.microsoft.com/office/powerpoint/2010/main">
+    <mc:Choice Requires="p14">
+      <p:transition spd="slow" p14:dur="2000" advTm="10000"/>
+    </mc:Choice>
+    <mc:Fallback xmlns="">
+      <p:transition spd="slow" advTm="10000"/>
+    </mc:Fallback>
+  </mc:AlternateContent>
   <p:timing>
     <p:tnLst>
       <p:par>
@@ -1656,6 +1680,14 @@
   <p:clrMapOvr>
     <a:masterClrMapping/>
   </p:clrMapOvr>
+  <mc:AlternateContent xmlns:mc="http://schemas.openxmlformats.org/markup-compatibility/2006" xmlns:p14="http://schemas.microsoft.com/office/powerpoint/2010/main">
+    <mc:Choice Requires="p14">
+      <p:transition spd="slow" p14:dur="2000" advTm="10000"/>
+    </mc:Choice>
+    <mc:Fallback xmlns="">
+      <p:transition spd="slow" advTm="10000"/>
+    </mc:Fallback>
+  </mc:AlternateContent>
   <p:timing>
     <p:tnLst>
       <p:par>
@@ -1906,6 +1938,14 @@
   <p:clrMapOvr>
     <a:masterClrMapping/>
   </p:clrMapOvr>
+  <mc:AlternateContent xmlns:mc="http://schemas.openxmlformats.org/markup-compatibility/2006" xmlns:p14="http://schemas.microsoft.com/office/powerpoint/2010/main">
+    <mc:Choice Requires="p14">
+      <p:transition spd="slow" p14:dur="2000" advTm="10000"/>
+    </mc:Choice>
+    <mc:Fallback xmlns="">
+      <p:transition spd="slow" advTm="10000"/>
+    </mc:Fallback>
+  </mc:AlternateContent>
   <p:timing>
     <p:tnLst>
       <p:par>
@@ -2102,6 +2142,14 @@
   <p:clrMapOvr>
     <a:masterClrMapping/>
   </p:clrMapOvr>
+  <mc:AlternateContent xmlns:mc="http://schemas.openxmlformats.org/markup-compatibility/2006" xmlns:p14="http://schemas.microsoft.com/office/powerpoint/2010/main">
+    <mc:Choice Requires="p14">
+      <p:transition spd="slow" p14:dur="2000" advTm="10000"/>
+    </mc:Choice>
+    <mc:Fallback xmlns="">
+      <p:transition spd="slow" advTm="10000"/>
+    </mc:Fallback>
+  </mc:AlternateContent>
   <p:timing>
     <p:tnLst>
       <p:par>
@@ -2182,13 +2230,8 @@
             </a:r>
             <a:r>
               <a:rPr lang="fr-FR" sz="2000" dirty="0" smtClean="0"/>
-              <a:t>Plugin </a:t>
-            </a:r>
-            <a:r>
-              <a:rPr lang="fr-FR" sz="2000" dirty="0" smtClean="0"/>
-              <a:t>QGIS Python</a:t>
-            </a:r>
-            <a:endParaRPr lang="fr-FR" sz="2000" dirty="0" smtClean="0"/>
+              <a:t>Plugin QGIS Python</a:t>
+            </a:r>
           </a:p>
           <a:p>
             <a:pPr marL="285750" indent="-285750">
@@ -2212,7 +2255,15 @@
             </a:pPr>
             <a:r>
               <a:rPr lang="fr-FR" sz="2000" dirty="0" smtClean="0"/>
-              <a:t> Sur un massif entier (pentes + orientations)</a:t>
+              <a:t> Sur </a:t>
+            </a:r>
+            <a:r>
+              <a:rPr lang="fr-FR" sz="2000" smtClean="0"/>
+              <a:t>un massif (pentes </a:t>
+            </a:r>
+            <a:r>
+              <a:rPr lang="fr-FR" sz="2000" dirty="0" smtClean="0"/>
+              <a:t>+ orientations)</a:t>
             </a:r>
           </a:p>
           <a:p>
@@ -2371,6 +2422,14 @@
   <p:clrMapOvr>
     <a:masterClrMapping/>
   </p:clrMapOvr>
+  <mc:AlternateContent xmlns:mc="http://schemas.openxmlformats.org/markup-compatibility/2006" xmlns:p14="http://schemas.microsoft.com/office/powerpoint/2010/main">
+    <mc:Choice Requires="p14">
+      <p:transition spd="slow" p14:dur="2000" advTm="10000"/>
+    </mc:Choice>
+    <mc:Fallback xmlns="">
+      <p:transition spd="slow" advTm="10000"/>
+    </mc:Fallback>
+  </mc:AlternateContent>
   <p:timing>
     <p:tnLst>
       <p:par>
@@ -2529,6 +2588,14 @@
   <p:clrMapOvr>
     <a:masterClrMapping/>
   </p:clrMapOvr>
+  <mc:AlternateContent xmlns:mc="http://schemas.openxmlformats.org/markup-compatibility/2006" xmlns:p14="http://schemas.microsoft.com/office/powerpoint/2010/main">
+    <mc:Choice Requires="p14">
+      <p:transition spd="slow" p14:dur="2000" advTm="10000"/>
+    </mc:Choice>
+    <mc:Fallback xmlns="">
+      <p:transition spd="slow" advTm="10000"/>
+    </mc:Fallback>
+  </mc:AlternateContent>
   <p:timing>
     <p:tnLst>
       <p:par>
@@ -2668,6 +2735,14 @@
   <p:clrMapOvr>
     <a:masterClrMapping/>
   </p:clrMapOvr>
+  <mc:AlternateContent xmlns:mc="http://schemas.openxmlformats.org/markup-compatibility/2006" xmlns:p14="http://schemas.microsoft.com/office/powerpoint/2010/main">
+    <mc:Choice Requires="p14">
+      <p:transition spd="slow" p14:dur="2000" advTm="10000"/>
+    </mc:Choice>
+    <mc:Fallback xmlns="">
+      <p:transition spd="slow" advTm="10000"/>
+    </mc:Fallback>
+  </mc:AlternateContent>
   <p:timing>
     <p:tnLst>
       <p:par>
@@ -2753,7 +2828,23 @@
             </a:pPr>
             <a:r>
               <a:rPr lang="fr-FR" dirty="0" smtClean="0"/>
-              <a:t>Méthode Munter : méthode de « réduction » en fonction de paramètres environnementaux</a:t>
+              <a:t>Méthode Munter : méthode de </a:t>
+            </a:r>
+            <a:r>
+              <a:rPr lang="fr-FR" dirty="0" smtClean="0"/>
+              <a:t>réduction</a:t>
+            </a:r>
+            <a:r>
+              <a:rPr lang="fr-FR" dirty="0" smtClean="0"/>
+              <a:t> </a:t>
+            </a:r>
+            <a:r>
+              <a:rPr lang="fr-FR" smtClean="0"/>
+              <a:t>du risque en </a:t>
+            </a:r>
+            <a:r>
+              <a:rPr lang="fr-FR" dirty="0" smtClean="0"/>
+              <a:t>fonction de paramètres environnementaux</a:t>
             </a:r>
           </a:p>
           <a:p>
@@ -2803,15 +2894,11 @@
             </a:pPr>
             <a:r>
               <a:rPr lang="fr-FR" dirty="0" smtClean="0"/>
-              <a:t>MRE : Méthode de </a:t>
-            </a:r>
-            <a:r>
-              <a:rPr lang="fr-FR" dirty="0" smtClean="0"/>
-              <a:t>Réduction </a:t>
-            </a:r>
-            <a:r>
-              <a:rPr lang="fr-FR" dirty="0" smtClean="0"/>
-              <a:t>Expert</a:t>
+              <a:t>MRE : Méthode de Réduction </a:t>
+            </a:r>
+            <a:r>
+              <a:rPr lang="fr-FR" dirty="0" err="1" smtClean="0"/>
+              <a:t>Elementaire</a:t>
             </a:r>
             <a:endParaRPr lang="fr-FR" dirty="0"/>
           </a:p>
@@ -2860,6 +2947,14 @@
   <p:clrMapOvr>
     <a:masterClrMapping/>
   </p:clrMapOvr>
+  <mc:AlternateContent xmlns:mc="http://schemas.openxmlformats.org/markup-compatibility/2006" xmlns:p14="http://schemas.microsoft.com/office/powerpoint/2010/main">
+    <mc:Choice Requires="p14">
+      <p:transition spd="slow" p14:dur="2000" advTm="10000"/>
+    </mc:Choice>
+    <mc:Fallback xmlns="">
+      <p:transition spd="slow" advTm="10000"/>
+    </mc:Fallback>
+  </mc:AlternateContent>
   <p:timing>
     <p:tnLst>
       <p:par>
@@ -3009,6 +3104,14 @@
   <p:clrMapOvr>
     <a:masterClrMapping/>
   </p:clrMapOvr>
+  <mc:AlternateContent xmlns:mc="http://schemas.openxmlformats.org/markup-compatibility/2006" xmlns:p14="http://schemas.microsoft.com/office/powerpoint/2010/main">
+    <mc:Choice Requires="p14">
+      <p:transition spd="slow" p14:dur="2000" advTm="10000"/>
+    </mc:Choice>
+    <mc:Fallback xmlns="">
+      <p:transition spd="slow" advTm="10000"/>
+    </mc:Fallback>
+  </mc:AlternateContent>
   <p:timing>
     <p:tnLst>
       <p:par>
@@ -3193,6 +3296,14 @@
   <p:clrMapOvr>
     <a:masterClrMapping/>
   </p:clrMapOvr>
+  <mc:AlternateContent xmlns:mc="http://schemas.openxmlformats.org/markup-compatibility/2006" xmlns:p14="http://schemas.microsoft.com/office/powerpoint/2010/main">
+    <mc:Choice Requires="p14">
+      <p:transition spd="slow" p14:dur="2000" advTm="10000"/>
+    </mc:Choice>
+    <mc:Fallback xmlns="">
+      <p:transition spd="slow" advTm="10000"/>
+    </mc:Fallback>
+  </mc:AlternateContent>
   <p:timing>
     <p:tnLst>
       <p:par>
@@ -3341,6 +3452,14 @@
   <p:clrMapOvr>
     <a:masterClrMapping/>
   </p:clrMapOvr>
+  <mc:AlternateContent xmlns:mc="http://schemas.openxmlformats.org/markup-compatibility/2006" xmlns:p14="http://schemas.microsoft.com/office/powerpoint/2010/main">
+    <mc:Choice Requires="p14">
+      <p:transition spd="slow" p14:dur="2000" advTm="10000"/>
+    </mc:Choice>
+    <mc:Fallback xmlns="">
+      <p:transition spd="slow" advTm="10000"/>
+    </mc:Fallback>
+  </mc:AlternateContent>
   <p:timing>
     <p:tnLst>
       <p:par>
